--- a/doc/parallel_log_process.pptx
+++ b/doc/parallel_log_process.pptx
@@ -2491,11 +2491,7 @@
           <a:p>
             <a:r>
               <a:rPr lang="en-US" dirty="0" smtClean="0"/>
-              <a:t>One loop: calculate </a:t>
-            </a:r>
-            <a:r>
-              <a:rPr lang="en-US" dirty="0" smtClean="0"/>
-              <a:t>cumulative line number for each file</a:t>
+              <a:t>One loop: calculate cumulative line number for each file</a:t>
             </a:r>
             <a:endParaRPr lang="en-US" dirty="0"/>
           </a:p>
@@ -2941,11 +2937,7 @@
           <a:p>
             <a:r>
               <a:rPr lang="en-US" dirty="0" smtClean="0"/>
-              <a:t>One loop: write </a:t>
-            </a:r>
-            <a:r>
-              <a:rPr lang="en-US" dirty="0" smtClean="0"/>
-              <a:t>new files</a:t>
+              <a:t>One loop: write new files</a:t>
             </a:r>
             <a:endParaRPr lang="en-US" dirty="0"/>
           </a:p>
@@ -4277,8 +4269,13 @@
             <a:pPr lvl="1"/>
             <a:r>
               <a:rPr lang="en-US" dirty="0" smtClean="0"/>
-              <a:t>One thread handles very limited number of files</a:t>
-            </a:r>
+              <a:t>One thread handles </a:t>
+            </a:r>
+            <a:r>
+              <a:rPr lang="en-US" dirty="0" smtClean="0"/>
+              <a:t>only one file</a:t>
+            </a:r>
+            <a:endParaRPr lang="en-US" dirty="0" smtClean="0"/>
           </a:p>
           <a:p>
             <a:pPr lvl="1"/>
@@ -4925,16 +4922,11 @@
               <a:rPr lang="en-US" dirty="0" smtClean="0"/>
               <a:t>Disk I/O is much slower than content processing	</a:t>
             </a:r>
-            <a:endParaRPr lang="en-US" dirty="0" smtClean="0"/>
-          </a:p>
-          <a:p>
-            <a:r>
-              <a:rPr lang="en-US" dirty="0" smtClean="0"/>
-              <a:t>SSD can handle multiple IO requests simultaneously</a:t>
-            </a:r>
-            <a:r>
-              <a:rPr lang="en-US" dirty="0" smtClean="0"/>
-              <a:t>	</a:t>
+          </a:p>
+          <a:p>
+            <a:r>
+              <a:rPr lang="en-US" dirty="0" smtClean="0"/>
+              <a:t>SSD can handle multiple IO requests simultaneously	</a:t>
             </a:r>
           </a:p>
           <a:p>
@@ -4942,7 +4934,6 @@
               <a:rPr lang="en-US" dirty="0" smtClean="0"/>
               <a:t>Multi-threading</a:t>
             </a:r>
-            <a:endParaRPr lang="en-US" dirty="0" smtClean="0"/>
           </a:p>
           <a:p>
             <a:r>
@@ -5052,15 +5043,7 @@
             <a:pPr lvl="1"/>
             <a:r>
               <a:rPr lang="en-US" dirty="0" smtClean="0"/>
-              <a:t>The loaded file </a:t>
-            </a:r>
-            <a:r>
-              <a:rPr lang="en-US" dirty="0" smtClean="0"/>
-              <a:t>contents and line counts </a:t>
-            </a:r>
-            <a:r>
-              <a:rPr lang="en-US" dirty="0" smtClean="0"/>
-              <a:t>are stored in memory</a:t>
+              <a:t>The loaded file contents and line counts are stored in memory</a:t>
             </a:r>
           </a:p>
           <a:p>
@@ -5184,15 +5167,7 @@
             <a:pPr lvl="1"/>
             <a:r>
               <a:rPr lang="en-US" dirty="0" smtClean="0"/>
-              <a:t>A </a:t>
-            </a:r>
-            <a:r>
-              <a:rPr lang="en-US" dirty="0" smtClean="0"/>
-              <a:t>single thread can read only limited number of </a:t>
-            </a:r>
-            <a:r>
-              <a:rPr lang="en-US" dirty="0" smtClean="0"/>
-              <a:t>files</a:t>
+              <a:t>A single thread can read only limited number of files</a:t>
             </a:r>
           </a:p>
         </p:txBody>
@@ -5439,11 +5414,7 @@
           <a:p>
             <a:r>
               <a:rPr lang="en-US" dirty="0" smtClean="0"/>
-              <a:t>One loop: Read </a:t>
-            </a:r>
-            <a:r>
-              <a:rPr lang="en-US" dirty="0" smtClean="0"/>
-              <a:t>file contents and count lines</a:t>
+              <a:t>One loop: Read file contents and count lines</a:t>
             </a:r>
             <a:endParaRPr lang="en-US" dirty="0"/>
           </a:p>
